--- a/docs/мой_семинар/3. Работаем в jira.pptx
+++ b/docs/мой_семинар/3. Работаем в jira.pptx
@@ -5,13 +5,12 @@
     <p:sldMasterId id="2147483648" r:id="rId1"/>
   </p:sldMasterIdLst>
   <p:notesMasterIdLst>
-    <p:notesMasterId r:id="rId6"/>
+    <p:notesMasterId r:id="rId5"/>
   </p:notesMasterIdLst>
   <p:sldIdLst>
     <p:sldId id="256" r:id="rId2"/>
-    <p:sldId id="372" r:id="rId3"/>
-    <p:sldId id="370" r:id="rId4"/>
-    <p:sldId id="369" r:id="rId5"/>
+    <p:sldId id="370" r:id="rId3"/>
+    <p:sldId id="369" r:id="rId4"/>
   </p:sldIdLst>
   <p:sldSz cx="20116800" cy="10972800"/>
   <p:notesSz cx="6858000" cy="9144000"/>
@@ -549,7 +548,7 @@
     </p:spTree>
     <p:extLst>
       <p:ext uri="{BB962C8B-B14F-4D97-AF65-F5344CB8AC3E}">
-        <p14:creationId xmlns:p14="http://schemas.microsoft.com/office/powerpoint/2010/main" val="934387513"/>
+        <p14:creationId xmlns:p14="http://schemas.microsoft.com/office/powerpoint/2010/main" val="3554393528"/>
       </p:ext>
     </p:extLst>
   </p:cSld>
@@ -560,72 +559,6 @@
 </file>
 
 <file path=ppt/notesSlides/notesSlide2.xml><?xml version="1.0" encoding="utf-8"?>
-<p:notes xmlns:a="http://schemas.openxmlformats.org/drawingml/2006/main" xmlns:r="http://schemas.openxmlformats.org/officeDocument/2006/relationships" xmlns:p="http://schemas.openxmlformats.org/presentationml/2006/main">
-  <p:cSld>
-    <p:spTree>
-      <p:nvGrpSpPr>
-        <p:cNvPr id="1" name=""/>
-        <p:cNvGrpSpPr/>
-        <p:nvPr/>
-      </p:nvGrpSpPr>
-      <p:grpSpPr>
-        <a:xfrm>
-          <a:off x="0" y="0"/>
-          <a:ext cx="0" cy="0"/>
-          <a:chOff x="0" y="0"/>
-          <a:chExt cx="0" cy="0"/>
-        </a:xfrm>
-      </p:grpSpPr>
-      <p:sp>
-        <p:nvSpPr>
-          <p:cNvPr id="2" name="Образ слайда 1"/>
-          <p:cNvSpPr>
-            <a:spLocks noGrp="1" noRot="1" noChangeAspect="1"/>
-          </p:cNvSpPr>
-          <p:nvPr>
-            <p:ph type="sldImg"/>
-          </p:nvPr>
-        </p:nvSpPr>
-        <p:spPr>
-          <a:xfrm>
-            <a:off x="285750" y="685800"/>
-            <a:ext cx="6286500" cy="3429000"/>
-          </a:xfrm>
-        </p:spPr>
-      </p:sp>
-      <p:sp>
-        <p:nvSpPr>
-          <p:cNvPr id="3" name="Заметки 2"/>
-          <p:cNvSpPr>
-            <a:spLocks noGrp="1"/>
-          </p:cNvSpPr>
-          <p:nvPr>
-            <p:ph type="body" idx="1"/>
-          </p:nvPr>
-        </p:nvSpPr>
-        <p:spPr/>
-        <p:txBody>
-          <a:bodyPr/>
-          <a:lstStyle/>
-          <a:p>
-            <a:endParaRPr lang="ru-RU"/>
-          </a:p>
-        </p:txBody>
-      </p:sp>
-    </p:spTree>
-    <p:extLst>
-      <p:ext uri="{BB962C8B-B14F-4D97-AF65-F5344CB8AC3E}">
-        <p14:creationId xmlns:p14="http://schemas.microsoft.com/office/powerpoint/2010/main" val="3554393528"/>
-      </p:ext>
-    </p:extLst>
-  </p:cSld>
-  <p:clrMapOvr>
-    <a:masterClrMapping/>
-  </p:clrMapOvr>
-</p:notes>
-</file>
-
-<file path=ppt/notesSlides/notesSlide3.xml><?xml version="1.0" encoding="utf-8"?>
 <p:notes xmlns:a="http://schemas.openxmlformats.org/drawingml/2006/main" xmlns:r="http://schemas.openxmlformats.org/officeDocument/2006/relationships" xmlns:p="http://schemas.openxmlformats.org/presentationml/2006/main">
   <p:cSld>
     <p:spTree>
@@ -3103,7 +3036,7 @@
           </a:prstGeom>
           <a:extLst>
             <a:ext uri="{C572A759-6A51-4108-AA02-DFA0A04FC94B}">
-              <ma14:wrappingTextBoxFlag xmlns="" xmlns:ma14="http://schemas.microsoft.com/office/mac/drawingml/2011/main" val="1"/>
+              <ma14:wrappingTextBoxFlag xmlns:ma14="http://schemas.microsoft.com/office/mac/drawingml/2011/main" xmlns="" val="1"/>
             </a:ext>
           </a:extLst>
         </p:spPr>
@@ -3113,286 +3046,6 @@
           <a:p>
             <a:fld id="{86CB4B4D-7CA3-9044-876B-883B54F8677D}" type="slidenum">
               <a:t>2</a:t>
-            </a:fld>
-            <a:endParaRPr/>
-          </a:p>
-        </p:txBody>
-      </p:sp>
-      <p:sp>
-        <p:nvSpPr>
-          <p:cNvPr id="11" name="Shape 704">
-            <a:extLst>
-              <a:ext uri="{FF2B5EF4-FFF2-40B4-BE49-F238E27FC236}">
-                <a16:creationId xmlns:a16="http://schemas.microsoft.com/office/drawing/2014/main" id="{13AF19C4-3475-A040-9B34-92800CE40BFB}"/>
-              </a:ext>
-            </a:extLst>
-          </p:cNvPr>
-          <p:cNvSpPr/>
-          <p:nvPr/>
-        </p:nvSpPr>
-        <p:spPr>
-          <a:xfrm>
-            <a:off x="7231504" y="1070993"/>
-            <a:ext cx="5653792" cy="538609"/>
-          </a:xfrm>
-          <a:prstGeom prst="rect">
-            <a:avLst/>
-          </a:prstGeom>
-          <a:ln w="12700">
-            <a:miter lim="400000"/>
-          </a:ln>
-          <a:extLst>
-            <a:ext uri="{C572A759-6A51-4108-AA02-DFA0A04FC94B}">
-              <ma14:wrappingTextBoxFlag xmlns="" xmlns:ma14="http://schemas.microsoft.com/office/mac/drawingml/2011/main" val="1"/>
-            </a:ext>
-          </a:extLst>
-        </p:spPr>
-        <p:txBody>
-          <a:bodyPr wrap="none" lIns="0" tIns="0" rIns="0" bIns="0">
-            <a:spAutoFit/>
-          </a:bodyPr>
-          <a:lstStyle/>
-          <a:p>
-            <a:pPr>
-              <a:defRPr sz="3500">
-                <a:solidFill>
-                  <a:srgbClr val="FFFFFF"/>
-                </a:solidFill>
-                <a:latin typeface="San Francisco Display Thin"/>
-                <a:ea typeface="San Francisco Display Thin"/>
-                <a:cs typeface="San Francisco Display Thin"/>
-                <a:sym typeface="San Francisco Display Thin"/>
-              </a:defRPr>
-            </a:pPr>
-            <a:r>
-              <a:rPr lang="ru-RU" dirty="0"/>
-              <a:t>Где будем вести наш продукт</a:t>
-            </a:r>
-            <a:endParaRPr dirty="0"/>
-          </a:p>
-        </p:txBody>
-      </p:sp>
-      <p:sp>
-        <p:nvSpPr>
-          <p:cNvPr id="14" name="Shape 704">
-            <a:extLst>
-              <a:ext uri="{FF2B5EF4-FFF2-40B4-BE49-F238E27FC236}">
-                <a16:creationId xmlns:a16="http://schemas.microsoft.com/office/drawing/2014/main" id="{D87FAFB7-EAF0-5C41-AF1C-EC057F1FAAD2}"/>
-              </a:ext>
-            </a:extLst>
-          </p:cNvPr>
-          <p:cNvSpPr/>
-          <p:nvPr/>
-        </p:nvSpPr>
-        <p:spPr>
-          <a:xfrm>
-            <a:off x="2539530" y="5217095"/>
-            <a:ext cx="617157" cy="538609"/>
-          </a:xfrm>
-          <a:prstGeom prst="rect">
-            <a:avLst/>
-          </a:prstGeom>
-          <a:ln w="12700">
-            <a:miter lim="400000"/>
-          </a:ln>
-          <a:extLst>
-            <a:ext uri="{C572A759-6A51-4108-AA02-DFA0A04FC94B}">
-              <ma14:wrappingTextBoxFlag xmlns="" xmlns:ma14="http://schemas.microsoft.com/office/mac/drawingml/2011/main" val="1"/>
-            </a:ext>
-          </a:extLst>
-        </p:spPr>
-        <p:txBody>
-          <a:bodyPr wrap="none" lIns="0" tIns="0" rIns="0" bIns="0">
-            <a:spAutoFit/>
-          </a:bodyPr>
-          <a:lstStyle/>
-          <a:p>
-            <a:pPr>
-              <a:defRPr sz="3500">
-                <a:solidFill>
-                  <a:srgbClr val="FFFFFF"/>
-                </a:solidFill>
-                <a:latin typeface="San Francisco Display Thin"/>
-                <a:ea typeface="San Francisco Display Thin"/>
-                <a:cs typeface="San Francisco Display Thin"/>
-                <a:sym typeface="San Francisco Display Thin"/>
-              </a:defRPr>
-            </a:pPr>
-            <a:r>
-              <a:rPr lang="en-US" dirty="0"/>
-              <a:t>Jira</a:t>
-            </a:r>
-            <a:endParaRPr dirty="0"/>
-          </a:p>
-        </p:txBody>
-      </p:sp>
-      <p:sp>
-        <p:nvSpPr>
-          <p:cNvPr id="15" name="Shape 704">
-            <a:extLst>
-              <a:ext uri="{FF2B5EF4-FFF2-40B4-BE49-F238E27FC236}">
-                <a16:creationId xmlns:a16="http://schemas.microsoft.com/office/drawing/2014/main" id="{0B95C6BC-FE62-6C45-A1FD-D2B3BD0B7BC0}"/>
-              </a:ext>
-            </a:extLst>
-          </p:cNvPr>
-          <p:cNvSpPr/>
-          <p:nvPr/>
-        </p:nvSpPr>
-        <p:spPr>
-          <a:xfrm>
-            <a:off x="8761989" y="5217095"/>
-            <a:ext cx="1040349" cy="538609"/>
-          </a:xfrm>
-          <a:prstGeom prst="rect">
-            <a:avLst/>
-          </a:prstGeom>
-          <a:ln w="12700">
-            <a:miter lim="400000"/>
-          </a:ln>
-          <a:extLst>
-            <a:ext uri="{C572A759-6A51-4108-AA02-DFA0A04FC94B}">
-              <ma14:wrappingTextBoxFlag xmlns="" xmlns:ma14="http://schemas.microsoft.com/office/mac/drawingml/2011/main" val="1"/>
-            </a:ext>
-          </a:extLst>
-        </p:spPr>
-        <p:txBody>
-          <a:bodyPr wrap="none" lIns="0" tIns="0" rIns="0" bIns="0">
-            <a:spAutoFit/>
-          </a:bodyPr>
-          <a:lstStyle/>
-          <a:p>
-            <a:pPr>
-              <a:defRPr sz="3500">
-                <a:solidFill>
-                  <a:srgbClr val="FFFFFF"/>
-                </a:solidFill>
-                <a:latin typeface="San Francisco Display Thin"/>
-                <a:ea typeface="San Francisco Display Thin"/>
-                <a:cs typeface="San Francisco Display Thin"/>
-                <a:sym typeface="San Francisco Display Thin"/>
-              </a:defRPr>
-            </a:pPr>
-            <a:r>
-              <a:rPr lang="en-US" dirty="0"/>
-              <a:t>Trello</a:t>
-            </a:r>
-            <a:endParaRPr dirty="0"/>
-          </a:p>
-        </p:txBody>
-      </p:sp>
-      <p:sp>
-        <p:nvSpPr>
-          <p:cNvPr id="16" name="Shape 704">
-            <a:extLst>
-              <a:ext uri="{FF2B5EF4-FFF2-40B4-BE49-F238E27FC236}">
-                <a16:creationId xmlns:a16="http://schemas.microsoft.com/office/drawing/2014/main" id="{7C262552-26C7-3147-92AF-040763C87C4C}"/>
-              </a:ext>
-            </a:extLst>
-          </p:cNvPr>
-          <p:cNvSpPr/>
-          <p:nvPr/>
-        </p:nvSpPr>
-        <p:spPr>
-          <a:xfrm>
-            <a:off x="14198138" y="4947790"/>
-            <a:ext cx="3893150" cy="1077218"/>
-          </a:xfrm>
-          <a:prstGeom prst="rect">
-            <a:avLst/>
-          </a:prstGeom>
-          <a:ln w="12700">
-            <a:miter lim="400000"/>
-          </a:ln>
-          <a:extLst>
-            <a:ext uri="{C572A759-6A51-4108-AA02-DFA0A04FC94B}">
-              <ma14:wrappingTextBoxFlag xmlns="" xmlns:ma14="http://schemas.microsoft.com/office/mac/drawingml/2011/main" val="1"/>
-            </a:ext>
-          </a:extLst>
-        </p:spPr>
-        <p:txBody>
-          <a:bodyPr wrap="square" lIns="0" tIns="0" rIns="0" bIns="0">
-            <a:spAutoFit/>
-          </a:bodyPr>
-          <a:lstStyle/>
-          <a:p>
-            <a:pPr>
-              <a:defRPr sz="3500">
-                <a:solidFill>
-                  <a:srgbClr val="FFFFFF"/>
-                </a:solidFill>
-                <a:latin typeface="San Francisco Display Thin"/>
-                <a:ea typeface="San Francisco Display Thin"/>
-                <a:cs typeface="San Francisco Display Thin"/>
-                <a:sym typeface="San Francisco Display Thin"/>
-              </a:defRPr>
-            </a:pPr>
-            <a:r>
-              <a:rPr lang="ru-RU" dirty="0"/>
-              <a:t>Система, которая нравится лично вам</a:t>
-            </a:r>
-            <a:endParaRPr dirty="0"/>
-          </a:p>
-        </p:txBody>
-      </p:sp>
-    </p:spTree>
-    <p:extLst>
-      <p:ext uri="{BB962C8B-B14F-4D97-AF65-F5344CB8AC3E}">
-        <p14:creationId xmlns:p14="http://schemas.microsoft.com/office/powerpoint/2010/main" val="2441263648"/>
-      </p:ext>
-    </p:extLst>
-  </p:cSld>
-  <p:clrMapOvr>
-    <a:masterClrMapping/>
-  </p:clrMapOvr>
-  <p:transition spd="slow">
-    <p:cover/>
-  </p:transition>
-</p:sld>
-</file>
-
-<file path=ppt/slides/slide3.xml><?xml version="1.0" encoding="utf-8"?>
-<p:sld xmlns:a="http://schemas.openxmlformats.org/drawingml/2006/main" xmlns:r="http://schemas.openxmlformats.org/officeDocument/2006/relationships" xmlns:p="http://schemas.openxmlformats.org/presentationml/2006/main">
-  <p:cSld>
-    <p:spTree>
-      <p:nvGrpSpPr>
-        <p:cNvPr id="1" name=""/>
-        <p:cNvGrpSpPr/>
-        <p:nvPr/>
-      </p:nvGrpSpPr>
-      <p:grpSpPr>
-        <a:xfrm>
-          <a:off x="0" y="0"/>
-          <a:ext cx="0" cy="0"/>
-          <a:chOff x="0" y="0"/>
-          <a:chExt cx="0" cy="0"/>
-        </a:xfrm>
-      </p:grpSpPr>
-      <p:sp>
-        <p:nvSpPr>
-          <p:cNvPr id="703" name="Shape 703"/>
-          <p:cNvSpPr>
-            <a:spLocks noGrp="1"/>
-          </p:cNvSpPr>
-          <p:nvPr>
-            <p:ph type="sldNum" sz="quarter" idx="2"/>
-          </p:nvPr>
-        </p:nvSpPr>
-        <p:spPr>
-          <a:prstGeom prst="rect">
-            <a:avLst/>
-          </a:prstGeom>
-          <a:extLst>
-            <a:ext uri="{C572A759-6A51-4108-AA02-DFA0A04FC94B}">
-              <ma14:wrappingTextBoxFlag xmlns:ma14="http://schemas.microsoft.com/office/mac/drawingml/2011/main" xmlns="" val="1"/>
-            </a:ext>
-          </a:extLst>
-        </p:spPr>
-        <p:txBody>
-          <a:bodyPr/>
-          <a:lstStyle/>
-          <a:p>
-            <a:fld id="{86CB4B4D-7CA3-9044-876B-883B54F8677D}" type="slidenum">
-              <a:t>3</a:t>
             </a:fld>
             <a:endParaRPr/>
           </a:p>
@@ -3662,6 +3315,168 @@
           </a:p>
         </p:txBody>
       </p:sp>
+      <p:sp>
+        <p:nvSpPr>
+          <p:cNvPr id="2" name="Shape 704">
+            <a:extLst>
+              <a:ext uri="{FF2B5EF4-FFF2-40B4-BE49-F238E27FC236}">
+                <a16:creationId xmlns:a16="http://schemas.microsoft.com/office/drawing/2014/main" id="{D900CB52-9A7D-F415-CB9A-E9CB65417652}"/>
+              </a:ext>
+            </a:extLst>
+          </p:cNvPr>
+          <p:cNvSpPr/>
+          <p:nvPr/>
+        </p:nvSpPr>
+        <p:spPr>
+          <a:xfrm>
+            <a:off x="1465597" y="7466410"/>
+            <a:ext cx="3896211" cy="538609"/>
+          </a:xfrm>
+          <a:prstGeom prst="rect">
+            <a:avLst/>
+          </a:prstGeom>
+          <a:ln w="12700">
+            <a:miter lim="400000"/>
+          </a:ln>
+          <a:extLst>
+            <a:ext uri="{C572A759-6A51-4108-AA02-DFA0A04FC94B}">
+              <ma14:wrappingTextBoxFlag xmlns:ma14="http://schemas.microsoft.com/office/mac/drawingml/2011/main" xmlns="" val="1"/>
+            </a:ext>
+          </a:extLst>
+        </p:spPr>
+        <p:txBody>
+          <a:bodyPr wrap="square" lIns="0" tIns="0" rIns="0" bIns="0">
+            <a:spAutoFit/>
+          </a:bodyPr>
+          <a:lstStyle/>
+          <a:p>
+            <a:pPr>
+              <a:defRPr sz="3500">
+                <a:solidFill>
+                  <a:srgbClr val="FFFFFF"/>
+                </a:solidFill>
+                <a:latin typeface="San Francisco Display Thin"/>
+                <a:ea typeface="San Francisco Display Thin"/>
+                <a:cs typeface="San Francisco Display Thin"/>
+                <a:sym typeface="San Francisco Display Thin"/>
+              </a:defRPr>
+            </a:pPr>
+            <a:r>
+              <a:rPr lang="ru-RU" dirty="0"/>
+              <a:t>Заводим задачи</a:t>
+            </a:r>
+            <a:endParaRPr dirty="0"/>
+          </a:p>
+        </p:txBody>
+      </p:sp>
+      <p:sp>
+        <p:nvSpPr>
+          <p:cNvPr id="3" name="Shape 704">
+            <a:extLst>
+              <a:ext uri="{FF2B5EF4-FFF2-40B4-BE49-F238E27FC236}">
+                <a16:creationId xmlns:a16="http://schemas.microsoft.com/office/drawing/2014/main" id="{9CE62D3E-0B31-461F-E76B-387BFDFB518A}"/>
+              </a:ext>
+            </a:extLst>
+          </p:cNvPr>
+          <p:cNvSpPr/>
+          <p:nvPr/>
+        </p:nvSpPr>
+        <p:spPr>
+          <a:xfrm>
+            <a:off x="8263036" y="7365467"/>
+            <a:ext cx="3896211" cy="538609"/>
+          </a:xfrm>
+          <a:prstGeom prst="rect">
+            <a:avLst/>
+          </a:prstGeom>
+          <a:ln w="12700">
+            <a:miter lim="400000"/>
+          </a:ln>
+          <a:extLst>
+            <a:ext uri="{C572A759-6A51-4108-AA02-DFA0A04FC94B}">
+              <ma14:wrappingTextBoxFlag xmlns:ma14="http://schemas.microsoft.com/office/mac/drawingml/2011/main" xmlns="" val="1"/>
+            </a:ext>
+          </a:extLst>
+        </p:spPr>
+        <p:txBody>
+          <a:bodyPr wrap="square" lIns="0" tIns="0" rIns="0" bIns="0">
+            <a:spAutoFit/>
+          </a:bodyPr>
+          <a:lstStyle/>
+          <a:p>
+            <a:pPr>
+              <a:defRPr sz="3500">
+                <a:solidFill>
+                  <a:srgbClr val="FFFFFF"/>
+                </a:solidFill>
+                <a:latin typeface="San Francisco Display Thin"/>
+                <a:ea typeface="San Francisco Display Thin"/>
+                <a:cs typeface="San Francisco Display Thin"/>
+                <a:sym typeface="San Francisco Display Thin"/>
+              </a:defRPr>
+            </a:pPr>
+            <a:r>
+              <a:rPr lang="ru-RU" dirty="0"/>
+              <a:t>Планируем спринт</a:t>
+            </a:r>
+            <a:endParaRPr dirty="0"/>
+          </a:p>
+        </p:txBody>
+      </p:sp>
+      <p:sp>
+        <p:nvSpPr>
+          <p:cNvPr id="4" name="Shape 704">
+            <a:extLst>
+              <a:ext uri="{FF2B5EF4-FFF2-40B4-BE49-F238E27FC236}">
+                <a16:creationId xmlns:a16="http://schemas.microsoft.com/office/drawing/2014/main" id="{C72B8C31-1CEE-7FF8-57DA-5DC17EB9C778}"/>
+              </a:ext>
+            </a:extLst>
+          </p:cNvPr>
+          <p:cNvSpPr/>
+          <p:nvPr/>
+        </p:nvSpPr>
+        <p:spPr>
+          <a:xfrm>
+            <a:off x="15910346" y="7267294"/>
+            <a:ext cx="3896211" cy="538609"/>
+          </a:xfrm>
+          <a:prstGeom prst="rect">
+            <a:avLst/>
+          </a:prstGeom>
+          <a:ln w="12700">
+            <a:miter lim="400000"/>
+          </a:ln>
+          <a:extLst>
+            <a:ext uri="{C572A759-6A51-4108-AA02-DFA0A04FC94B}">
+              <ma14:wrappingTextBoxFlag xmlns:ma14="http://schemas.microsoft.com/office/mac/drawingml/2011/main" xmlns="" val="1"/>
+            </a:ext>
+          </a:extLst>
+        </p:spPr>
+        <p:txBody>
+          <a:bodyPr wrap="square" lIns="0" tIns="0" rIns="0" bIns="0">
+            <a:spAutoFit/>
+          </a:bodyPr>
+          <a:lstStyle/>
+          <a:p>
+            <a:pPr>
+              <a:defRPr sz="3500">
+                <a:solidFill>
+                  <a:srgbClr val="FFFFFF"/>
+                </a:solidFill>
+                <a:latin typeface="San Francisco Display Thin"/>
+                <a:ea typeface="San Francisco Display Thin"/>
+                <a:cs typeface="San Francisco Display Thin"/>
+                <a:sym typeface="San Francisco Display Thin"/>
+              </a:defRPr>
+            </a:pPr>
+            <a:r>
+              <a:rPr lang="ru-RU" dirty="0"/>
+              <a:t>Демо, ретро</a:t>
+            </a:r>
+            <a:endParaRPr dirty="0"/>
+          </a:p>
+        </p:txBody>
+      </p:sp>
     </p:spTree>
     <p:extLst>
       <p:ext uri="{BB962C8B-B14F-4D97-AF65-F5344CB8AC3E}">
@@ -3678,7 +3493,7 @@
 </p:sld>
 </file>
 
-<file path=ppt/slides/slide4.xml><?xml version="1.0" encoding="utf-8"?>
+<file path=ppt/slides/slide3.xml><?xml version="1.0" encoding="utf-8"?>
 <p:sld xmlns:a="http://schemas.openxmlformats.org/drawingml/2006/main" xmlns:r="http://schemas.openxmlformats.org/officeDocument/2006/relationships" xmlns:p="http://schemas.openxmlformats.org/presentationml/2006/main">
   <p:cSld>
     <p:spTree>
@@ -3720,7 +3535,7 @@
           <a:lstStyle/>
           <a:p>
             <a:fld id="{86CB4B4D-7CA3-9044-876B-883B54F8677D}" type="slidenum">
-              <a:t>4</a:t>
+              <a:t>3</a:t>
             </a:fld>
             <a:endParaRPr/>
           </a:p>
